--- a/Competition/Dacon/잡케어 추천 알고리즘 경진대회/잡케어 추천 알고리즘 경진대회.pptx
+++ b/Competition/Dacon/잡케어 추천 알고리즘 경진대회/잡케어 추천 알고리즘 경진대회.pptx
@@ -19,13 +19,13 @@
   <p:notesSz cx="6858000" cy="9144000"/>
   <p:embeddedFontLst>
     <p:embeddedFont>
-      <p:font typeface="나눔스퀘어" panose="020B0600000101010101" pitchFamily="50" charset="-127"/>
+      <p:font typeface="Roboto Condensed Light" panose="02000000000000000000" pitchFamily="2" charset="0"/>
       <p:regular r:id="rId11"/>
+      <p:italic r:id="rId12"/>
     </p:embeddedFont>
     <p:embeddedFont>
-      <p:font typeface="Roboto Condensed Light" panose="02000000000000000000" pitchFamily="2" charset="0"/>
-      <p:regular r:id="rId12"/>
-      <p:italic r:id="rId13"/>
+      <p:font typeface="나눔스퀘어" panose="020B0600000101010101" pitchFamily="50" charset="-127"/>
+      <p:regular r:id="rId13"/>
     </p:embeddedFont>
     <p:embeddedFont>
       <p:font typeface="나눔스퀘어 Bold" panose="020B0600000101010101" pitchFamily="50" charset="-127"/>
